--- a/PPT Codigram.pptx
+++ b/PPT Codigram.pptx
@@ -5,7 +5,7 @@
     <p:sldMasterId id="2147483681" r:id="rId1"/>
   </p:sldMasterIdLst>
   <p:notesMasterIdLst>
-    <p:notesMasterId r:id="rId20"/>
+    <p:notesMasterId r:id="rId21"/>
   </p:notesMasterIdLst>
   <p:sldIdLst>
     <p:sldId id="256" r:id="rId2"/>
@@ -23,23 +23,24 @@
     <p:sldId id="292" r:id="rId14"/>
     <p:sldId id="283" r:id="rId15"/>
     <p:sldId id="277" r:id="rId16"/>
-    <p:sldId id="284" r:id="rId17"/>
+    <p:sldId id="295" r:id="rId17"/>
     <p:sldId id="286" r:id="rId18"/>
-    <p:sldId id="294" r:id="rId19"/>
+    <p:sldId id="284" r:id="rId19"/>
+    <p:sldId id="294" r:id="rId20"/>
   </p:sldIdLst>
   <p:sldSz cx="9144000" cy="5143500" type="screen16x9"/>
   <p:notesSz cx="6858000" cy="9144000"/>
   <p:embeddedFontLst>
     <p:embeddedFont>
       <p:font typeface="Krona One" panose="020B0604020202020204" charset="0"/>
-      <p:regular r:id="rId21"/>
+      <p:regular r:id="rId22"/>
     </p:embeddedFont>
     <p:embeddedFont>
       <p:font typeface="DM Sans" panose="020B0604020202020204" charset="0"/>
-      <p:regular r:id="rId22"/>
-      <p:bold r:id="rId23"/>
-      <p:italic r:id="rId24"/>
-      <p:boldItalic r:id="rId25"/>
+      <p:regular r:id="rId23"/>
+      <p:bold r:id="rId24"/>
+      <p:italic r:id="rId25"/>
+      <p:boldItalic r:id="rId26"/>
     </p:embeddedFont>
   </p:embeddedFontLst>
   <p:defaultTextStyle>
@@ -828,7 +829,7 @@
               </a:spcAft>
               <a:buNone/>
             </a:pPr>
-            <a:endParaRPr/>
+            <a:endParaRPr dirty="0"/>
           </a:p>
         </p:txBody>
       </p:sp>
@@ -1155,7 +1156,7 @@
               </a:spcAft>
               <a:buNone/>
             </a:pPr>
-            <a:endParaRPr/>
+            <a:endParaRPr dirty="0"/>
           </a:p>
         </p:txBody>
       </p:sp>
@@ -1264,7 +1265,7 @@
               </a:spcAft>
               <a:buNone/>
             </a:pPr>
-            <a:endParaRPr/>
+            <a:endParaRPr dirty="0"/>
           </a:p>
         </p:txBody>
       </p:sp>
@@ -1482,7 +1483,7 @@
               </a:spcAft>
               <a:buNone/>
             </a:pPr>
-            <a:endParaRPr/>
+            <a:endParaRPr dirty="0"/>
           </a:p>
         </p:txBody>
       </p:sp>
@@ -1504,7 +1505,7 @@
   <p:cSld>
     <p:spTree>
       <p:nvGrpSpPr>
-        <p:cNvPr id="1" name="Shape 753"/>
+        <p:cNvPr id="1" name="Shape 722"/>
         <p:cNvGrpSpPr/>
         <p:nvPr/>
       </p:nvGrpSpPr>
@@ -1518,7 +1519,7 @@
       </p:grpSpPr>
       <p:sp>
         <p:nvSpPr>
-          <p:cNvPr id="754" name="Google Shape;754;g105c15f1d5a_0_29025:notes"/>
+          <p:cNvPr id="723" name="Google Shape;723;g1069b138c28_0_115:notes"/>
           <p:cNvSpPr>
             <a:spLocks noGrp="1" noRot="1" noChangeAspect="1"/>
           </p:cNvSpPr>
@@ -1559,7 +1560,7 @@
       </p:sp>
       <p:sp>
         <p:nvSpPr>
-          <p:cNvPr id="755" name="Google Shape;755;g105c15f1d5a_0_29025:notes"/>
+          <p:cNvPr id="724" name="Google Shape;724;g1069b138c28_0_115:notes"/>
           <p:cNvSpPr txBox="1">
             <a:spLocks noGrp="1"/>
           </p:cNvSpPr>
@@ -1591,14 +1592,14 @@
               </a:spcAft>
               <a:buNone/>
             </a:pPr>
-            <a:endParaRPr/>
+            <a:endParaRPr dirty="0"/>
           </a:p>
         </p:txBody>
       </p:sp>
     </p:spTree>
     <p:extLst>
       <p:ext uri="{BB962C8B-B14F-4D97-AF65-F5344CB8AC3E}">
-        <p14:creationId xmlns:p14="http://schemas.microsoft.com/office/powerpoint/2010/main" val="2030425590"/>
+        <p14:creationId xmlns:p14="http://schemas.microsoft.com/office/powerpoint/2010/main" val="181520506"/>
       </p:ext>
     </p:extLst>
   </p:cSld>
@@ -1700,7 +1701,7 @@
               </a:spcAft>
               <a:buNone/>
             </a:pPr>
-            <a:endParaRPr/>
+            <a:endParaRPr dirty="0"/>
           </a:p>
         </p:txBody>
       </p:sp>
@@ -1718,6 +1719,115 @@
 </file>
 
 <file path=ppt/notesSlides/notesSlide18.xml><?xml version="1.0" encoding="utf-8"?>
+<p:notes xmlns:a="http://schemas.openxmlformats.org/drawingml/2006/main" xmlns:r="http://schemas.openxmlformats.org/officeDocument/2006/relationships" xmlns:p="http://schemas.openxmlformats.org/presentationml/2006/main" showMasterSp="0" showMasterPhAnim="0">
+  <p:cSld>
+    <p:spTree>
+      <p:nvGrpSpPr>
+        <p:cNvPr id="1" name="Shape 753"/>
+        <p:cNvGrpSpPr/>
+        <p:nvPr/>
+      </p:nvGrpSpPr>
+      <p:grpSpPr>
+        <a:xfrm>
+          <a:off x="0" y="0"/>
+          <a:ext cx="0" cy="0"/>
+          <a:chOff x="0" y="0"/>
+          <a:chExt cx="0" cy="0"/>
+        </a:xfrm>
+      </p:grpSpPr>
+      <p:sp>
+        <p:nvSpPr>
+          <p:cNvPr id="754" name="Google Shape;754;g105c15f1d5a_0_29025:notes"/>
+          <p:cNvSpPr>
+            <a:spLocks noGrp="1" noRot="1" noChangeAspect="1"/>
+          </p:cNvSpPr>
+          <p:nvPr>
+            <p:ph type="sldImg" idx="2"/>
+          </p:nvPr>
+        </p:nvSpPr>
+        <p:spPr>
+          <a:xfrm>
+            <a:off x="381000" y="685800"/>
+            <a:ext cx="6096000" cy="3429000"/>
+          </a:xfrm>
+          <a:custGeom>
+            <a:avLst/>
+            <a:gdLst/>
+            <a:ahLst/>
+            <a:cxnLst/>
+            <a:rect l="l" t="t" r="r" b="b"/>
+            <a:pathLst>
+              <a:path w="120000" h="120000" extrusionOk="0">
+                <a:moveTo>
+                  <a:pt x="0" y="0"/>
+                </a:moveTo>
+                <a:lnTo>
+                  <a:pt x="120000" y="0"/>
+                </a:lnTo>
+                <a:lnTo>
+                  <a:pt x="120000" y="120000"/>
+                </a:lnTo>
+                <a:lnTo>
+                  <a:pt x="0" y="120000"/>
+                </a:lnTo>
+                <a:close/>
+              </a:path>
+            </a:pathLst>
+          </a:custGeom>
+        </p:spPr>
+      </p:sp>
+      <p:sp>
+        <p:nvSpPr>
+          <p:cNvPr id="755" name="Google Shape;755;g105c15f1d5a_0_29025:notes"/>
+          <p:cNvSpPr txBox="1">
+            <a:spLocks noGrp="1"/>
+          </p:cNvSpPr>
+          <p:nvPr>
+            <p:ph type="body" idx="1"/>
+          </p:nvPr>
+        </p:nvSpPr>
+        <p:spPr>
+          <a:xfrm>
+            <a:off x="685800" y="4343400"/>
+            <a:ext cx="5486400" cy="4114800"/>
+          </a:xfrm>
+          <a:prstGeom prst="rect">
+            <a:avLst/>
+          </a:prstGeom>
+        </p:spPr>
+        <p:txBody>
+          <a:bodyPr spcFirstLastPara="1" wrap="square" lIns="91425" tIns="91425" rIns="91425" bIns="91425" anchor="t" anchorCtr="0">
+            <a:noAutofit/>
+          </a:bodyPr>
+          <a:lstStyle/>
+          <a:p>
+            <a:pPr marL="0" lvl="0" indent="0" algn="l" rtl="0">
+              <a:spcBef>
+                <a:spcPts val="0"/>
+              </a:spcBef>
+              <a:spcAft>
+                <a:spcPts val="0"/>
+              </a:spcAft>
+              <a:buNone/>
+            </a:pPr>
+            <a:endParaRPr dirty="0"/>
+          </a:p>
+        </p:txBody>
+      </p:sp>
+    </p:spTree>
+    <p:extLst>
+      <p:ext uri="{BB962C8B-B14F-4D97-AF65-F5344CB8AC3E}">
+        <p14:creationId xmlns:p14="http://schemas.microsoft.com/office/powerpoint/2010/main" val="2030425590"/>
+      </p:ext>
+    </p:extLst>
+  </p:cSld>
+  <p:clrMapOvr>
+    <a:masterClrMapping/>
+  </p:clrMapOvr>
+</p:notes>
+</file>
+
+<file path=ppt/notesSlides/notesSlide19.xml><?xml version="1.0" encoding="utf-8"?>
 <p:notes xmlns:a="http://schemas.openxmlformats.org/drawingml/2006/main" xmlns:r="http://schemas.openxmlformats.org/officeDocument/2006/relationships" xmlns:p="http://schemas.openxmlformats.org/presentationml/2006/main" showMasterSp="0" showMasterPhAnim="0">
   <p:cSld>
     <p:spTree>
@@ -1809,7 +1919,7 @@
               </a:spcAft>
               <a:buNone/>
             </a:pPr>
-            <a:endParaRPr/>
+            <a:endParaRPr dirty="0"/>
           </a:p>
         </p:txBody>
       </p:sp>
@@ -16987,7 +17097,7 @@
             </a:pPr>
             <a:r>
               <a:rPr lang="id-ID" dirty="0" smtClean="0"/>
-              <a:t>Client Side</a:t>
+              <a:t>Front-End Tech</a:t>
             </a:r>
             <a:endParaRPr dirty="0"/>
           </a:p>
@@ -17604,7 +17714,7 @@
         </p:nvSpPr>
         <p:spPr>
           <a:xfrm>
-            <a:off x="2324966" y="2885472"/>
+            <a:off x="878003" y="2754848"/>
             <a:ext cx="2175873" cy="527700"/>
           </a:xfrm>
           <a:prstGeom prst="rect">
@@ -17646,7 +17756,7 @@
         </p:nvSpPr>
         <p:spPr>
           <a:xfrm>
-            <a:off x="2335453" y="3170772"/>
+            <a:off x="888490" y="3040148"/>
             <a:ext cx="2154900" cy="484800"/>
           </a:xfrm>
           <a:prstGeom prst="rect">
@@ -17688,7 +17798,7 @@
         </p:nvSpPr>
         <p:spPr>
           <a:xfrm>
-            <a:off x="4823767" y="2885472"/>
+            <a:off x="3376804" y="2754848"/>
             <a:ext cx="2133900" cy="527700"/>
           </a:xfrm>
           <a:prstGeom prst="rect">
@@ -17730,7 +17840,7 @@
         </p:nvSpPr>
         <p:spPr>
           <a:xfrm>
-            <a:off x="4834253" y="3170772"/>
+            <a:off x="3387290" y="3040148"/>
             <a:ext cx="2133900" cy="484800"/>
           </a:xfrm>
           <a:prstGeom prst="rect">
@@ -17782,7 +17892,7 @@
         </p:blipFill>
         <p:spPr>
           <a:xfrm>
-            <a:off x="2908025" y="2236583"/>
+            <a:off x="1461062" y="2105959"/>
             <a:ext cx="1030725" cy="571864"/>
           </a:xfrm>
           <a:prstGeom prst="rect">
@@ -17812,7 +17922,121 @@
         </p:blipFill>
         <p:spPr>
           <a:xfrm>
-            <a:off x="5486286" y="2236583"/>
+            <a:off x="4039323" y="2105959"/>
+            <a:ext cx="825797" cy="571864"/>
+          </a:xfrm>
+          <a:prstGeom prst="rect">
+            <a:avLst/>
+          </a:prstGeom>
+        </p:spPr>
+      </p:pic>
+      <p:sp>
+        <p:nvSpPr>
+          <p:cNvPr id="11" name="Google Shape;427;p52"/>
+          <p:cNvSpPr txBox="1">
+            <a:spLocks noGrp="1"/>
+          </p:cNvSpPr>
+          <p:nvPr>
+            <p:ph type="title" idx="3"/>
+          </p:nvPr>
+        </p:nvSpPr>
+        <p:spPr>
+          <a:xfrm>
+            <a:off x="5982822" y="2754848"/>
+            <a:ext cx="2133900" cy="527700"/>
+          </a:xfrm>
+          <a:prstGeom prst="rect">
+            <a:avLst/>
+          </a:prstGeom>
+        </p:spPr>
+        <p:txBody>
+          <a:bodyPr spcFirstLastPara="1" wrap="square" lIns="91425" tIns="91425" rIns="91425" bIns="91425" anchor="t" anchorCtr="0">
+            <a:noAutofit/>
+          </a:bodyPr>
+          <a:lstStyle/>
+          <a:p>
+            <a:pPr marL="0" lvl="0" indent="0" algn="ctr" rtl="0">
+              <a:spcBef>
+                <a:spcPts val="0"/>
+              </a:spcBef>
+              <a:spcAft>
+                <a:spcPts val="0"/>
+              </a:spcAft>
+              <a:buNone/>
+            </a:pPr>
+            <a:r>
+              <a:rPr lang="id-ID" sz="1600" dirty="0" smtClean="0"/>
+              <a:t>eslint(airbnb)</a:t>
+            </a:r>
+            <a:endParaRPr sz="1600" dirty="0"/>
+          </a:p>
+        </p:txBody>
+      </p:sp>
+      <p:sp>
+        <p:nvSpPr>
+          <p:cNvPr id="12" name="Google Shape;428;p52"/>
+          <p:cNvSpPr txBox="1">
+            <a:spLocks noGrp="1"/>
+          </p:cNvSpPr>
+          <p:nvPr>
+            <p:ph type="subTitle" idx="4"/>
+          </p:nvPr>
+        </p:nvSpPr>
+        <p:spPr>
+          <a:xfrm>
+            <a:off x="5993308" y="3040148"/>
+            <a:ext cx="2133900" cy="484800"/>
+          </a:xfrm>
+          <a:prstGeom prst="rect">
+            <a:avLst/>
+          </a:prstGeom>
+        </p:spPr>
+        <p:txBody>
+          <a:bodyPr spcFirstLastPara="1" wrap="square" lIns="91425" tIns="91425" rIns="91425" bIns="91425" anchor="t" anchorCtr="0">
+            <a:noAutofit/>
+          </a:bodyPr>
+          <a:lstStyle/>
+          <a:p>
+            <a:pPr marL="0" lvl="0" indent="0" algn="ctr" rtl="0">
+              <a:spcBef>
+                <a:spcPts val="0"/>
+              </a:spcBef>
+              <a:spcAft>
+                <a:spcPts val="0"/>
+              </a:spcAft>
+              <a:buNone/>
+            </a:pPr>
+            <a:r>
+              <a:rPr lang="id-ID" dirty="0" smtClean="0"/>
+              <a:t>Tools JavaScript untuk melakukan static analyze kode</a:t>
+            </a:r>
+            <a:endParaRPr dirty="0"/>
+          </a:p>
+        </p:txBody>
+      </p:sp>
+      <p:pic>
+        <p:nvPicPr>
+          <p:cNvPr id="13" name="Picture 12"/>
+          <p:cNvPicPr>
+            <a:picLocks noChangeAspect="1"/>
+          </p:cNvPicPr>
+          <p:nvPr/>
+        </p:nvPicPr>
+        <p:blipFill>
+          <a:blip r:embed="rId4">
+            <a:extLst>
+              <a:ext uri="{28A0092B-C50C-407E-A947-70E740481C1C}">
+                <a14:useLocalDpi xmlns:a14="http://schemas.microsoft.com/office/drawing/2010/main" val="0"/>
+              </a:ext>
+            </a:extLst>
+          </a:blip>
+          <a:stretch>
+            <a:fillRect/>
+          </a:stretch>
+        </p:blipFill>
+        <p:spPr>
+          <a:xfrm>
+            <a:off x="6645341" y="2105959"/>
             <a:ext cx="825797" cy="571864"/>
           </a:xfrm>
           <a:prstGeom prst="rect">
@@ -18542,7 +18766,12 @@
           <a:prstGeom prst="ellipse">
             <a:avLst/>
           </a:prstGeom>
-          <a:noFill/>
+          <a:blipFill>
+            <a:blip r:embed="rId3"/>
+            <a:stretch>
+              <a:fillRect/>
+            </a:stretch>
+          </a:blipFill>
           <a:ln w="19050" cap="flat" cmpd="sng">
             <a:solidFill>
               <a:schemeClr val="dk1"/>
@@ -18568,19 +18797,7 @@
               </a:spcAft>
               <a:buNone/>
             </a:pPr>
-            <a:r>
-              <a:rPr lang="en" sz="1600">
-                <a:solidFill>
-                  <a:schemeClr val="dk1"/>
-                </a:solidFill>
-                <a:latin typeface="Krona One"/>
-                <a:ea typeface="Krona One"/>
-                <a:cs typeface="Krona One"/>
-                <a:sym typeface="Krona One"/>
-              </a:rPr>
-              <a:t>1</a:t>
-            </a:r>
-            <a:endParaRPr sz="1600">
+            <a:endParaRPr sz="1600" dirty="0">
               <a:solidFill>
                 <a:schemeClr val="dk1"/>
               </a:solidFill>
@@ -18606,7 +18823,12 @@
           <a:prstGeom prst="ellipse">
             <a:avLst/>
           </a:prstGeom>
-          <a:noFill/>
+          <a:blipFill>
+            <a:blip r:embed="rId4"/>
+            <a:stretch>
+              <a:fillRect/>
+            </a:stretch>
+          </a:blipFill>
           <a:ln w="19050" cap="flat" cmpd="sng">
             <a:solidFill>
               <a:schemeClr val="dk1"/>
@@ -18632,19 +18854,7 @@
               </a:spcAft>
               <a:buNone/>
             </a:pPr>
-            <a:r>
-              <a:rPr lang="en" sz="1600">
-                <a:solidFill>
-                  <a:schemeClr val="dk1"/>
-                </a:solidFill>
-                <a:latin typeface="Krona One"/>
-                <a:ea typeface="Krona One"/>
-                <a:cs typeface="Krona One"/>
-                <a:sym typeface="Krona One"/>
-              </a:rPr>
-              <a:t>2</a:t>
-            </a:r>
-            <a:endParaRPr/>
+            <a:endParaRPr dirty="0"/>
           </a:p>
         </p:txBody>
       </p:sp>
@@ -18662,7 +18872,12 @@
           <a:prstGeom prst="ellipse">
             <a:avLst/>
           </a:prstGeom>
-          <a:noFill/>
+          <a:blipFill>
+            <a:blip r:embed="rId5"/>
+            <a:stretch>
+              <a:fillRect/>
+            </a:stretch>
+          </a:blipFill>
           <a:ln w="19050" cap="flat" cmpd="sng">
             <a:solidFill>
               <a:schemeClr val="dk1"/>
@@ -18700,7 +18915,7 @@
               </a:rPr>
               <a:t>3</a:t>
             </a:r>
-            <a:endParaRPr/>
+            <a:endParaRPr dirty="0"/>
           </a:p>
         </p:txBody>
       </p:sp>
@@ -18921,7 +19136,12 @@
           <a:prstGeom prst="ellipse">
             <a:avLst/>
           </a:prstGeom>
-          <a:noFill/>
+          <a:blipFill>
+            <a:blip r:embed="rId6"/>
+            <a:stretch>
+              <a:fillRect/>
+            </a:stretch>
+          </a:blipFill>
           <a:ln w="19050" cap="flat" cmpd="sng">
             <a:solidFill>
               <a:schemeClr val="dk1"/>
@@ -18959,7 +19179,7 @@
               </a:rPr>
               <a:t>4</a:t>
             </a:r>
-            <a:endParaRPr/>
+            <a:endParaRPr dirty="0"/>
           </a:p>
         </p:txBody>
       </p:sp>
@@ -19012,7 +19232,7 @@
   <p:cSld>
     <p:spTree>
       <p:nvGrpSpPr>
-        <p:cNvPr id="1" name="Shape 756"/>
+        <p:cNvPr id="1" name="Shape 725"/>
         <p:cNvGrpSpPr/>
         <p:nvPr/>
       </p:nvGrpSpPr>
@@ -19026,137 +19246,7 @@
       </p:grpSpPr>
       <p:sp>
         <p:nvSpPr>
-          <p:cNvPr id="757" name="Google Shape;757;p64"/>
-          <p:cNvSpPr txBox="1">
-            <a:spLocks noGrp="1"/>
-          </p:cNvSpPr>
-          <p:nvPr>
-            <p:ph type="subTitle" idx="1"/>
-          </p:nvPr>
-        </p:nvSpPr>
-        <p:spPr>
-          <a:xfrm>
-            <a:off x="715799" y="2136738"/>
-            <a:ext cx="7708201" cy="1259605"/>
-          </a:xfrm>
-          <a:prstGeom prst="rect">
-            <a:avLst/>
-          </a:prstGeom>
-        </p:spPr>
-        <p:txBody>
-          <a:bodyPr spcFirstLastPara="1" wrap="square" lIns="91425" tIns="91425" rIns="91425" bIns="91425" anchor="t" anchorCtr="0">
-            <a:noAutofit/>
-          </a:bodyPr>
-          <a:lstStyle/>
-          <a:p>
-            <a:pPr lvl="0"/>
-            <a:r>
-              <a:rPr lang="id-ID" dirty="0" smtClean="0"/>
-              <a:t>Project Team ke-3 </a:t>
-            </a:r>
-            <a:r>
-              <a:rPr lang="en" dirty="0" smtClean="0"/>
-              <a:t>(</a:t>
-            </a:r>
-            <a:r>
-              <a:rPr lang="id-ID" dirty="0" smtClean="0"/>
-              <a:t>2022</a:t>
-            </a:r>
-            <a:r>
-              <a:rPr lang="en" dirty="0" smtClean="0"/>
-              <a:t>). </a:t>
-            </a:r>
-            <a:r>
-              <a:rPr lang="id-ID" dirty="0" smtClean="0"/>
-              <a:t>https</a:t>
-            </a:r>
-            <a:r>
-              <a:rPr lang="id-ID" dirty="0"/>
-              <a:t>://github.com/rifkiramadhan/project-team-03</a:t>
-            </a:r>
-            <a:endParaRPr dirty="0"/>
-          </a:p>
-          <a:p>
-            <a:pPr marL="457200" lvl="0" indent="0" algn="l" rtl="0">
-              <a:spcBef>
-                <a:spcPts val="0"/>
-              </a:spcBef>
-              <a:spcAft>
-                <a:spcPts val="0"/>
-              </a:spcAft>
-              <a:buNone/>
-            </a:pPr>
-            <a:endParaRPr dirty="0"/>
-          </a:p>
-          <a:p>
-            <a:pPr lvl="0"/>
-            <a:r>
-              <a:rPr lang="id-ID" dirty="0" smtClean="0"/>
-              <a:t>CSS Matic </a:t>
-            </a:r>
-            <a:r>
-              <a:rPr lang="id-ID" dirty="0" smtClean="0"/>
-              <a:t>(2022</a:t>
-            </a:r>
-            <a:r>
-              <a:rPr lang="en" dirty="0" smtClean="0"/>
-              <a:t>). </a:t>
-            </a:r>
-            <a:r>
-              <a:rPr lang="id-ID" dirty="0"/>
-              <a:t>https://</a:t>
-            </a:r>
-            <a:r>
-              <a:rPr lang="id-ID" dirty="0" smtClean="0"/>
-              <a:t>www.cssmatic.com</a:t>
-            </a:r>
-            <a:endParaRPr dirty="0"/>
-          </a:p>
-          <a:p>
-            <a:pPr marL="457200" lvl="0" indent="0" algn="l" rtl="0">
-              <a:spcBef>
-                <a:spcPts val="0"/>
-              </a:spcBef>
-              <a:spcAft>
-                <a:spcPts val="0"/>
-              </a:spcAft>
-              <a:buNone/>
-            </a:pPr>
-            <a:endParaRPr dirty="0"/>
-          </a:p>
-          <a:p>
-            <a:pPr lvl="0"/>
-            <a:r>
-              <a:rPr lang="id-ID" dirty="0" smtClean="0"/>
-              <a:t>Codepen </a:t>
-            </a:r>
-            <a:r>
-              <a:rPr lang="en" dirty="0" smtClean="0"/>
-              <a:t>(</a:t>
-            </a:r>
-            <a:r>
-              <a:rPr lang="id-ID" dirty="0" smtClean="0"/>
-              <a:t>2022</a:t>
-            </a:r>
-            <a:r>
-              <a:rPr lang="en" dirty="0" smtClean="0"/>
-              <a:t>). </a:t>
-            </a:r>
-            <a:r>
-              <a:rPr lang="id-ID" dirty="0"/>
-              <a:t>https://</a:t>
-            </a:r>
-            <a:r>
-              <a:rPr lang="id-ID" dirty="0" smtClean="0"/>
-              <a:t>codepen.io</a:t>
-            </a:r>
-            <a:endParaRPr dirty="0"/>
-          </a:p>
-        </p:txBody>
-      </p:sp>
-      <p:sp>
-        <p:nvSpPr>
-          <p:cNvPr id="758" name="Google Shape;758;p64"/>
+          <p:cNvPr id="726" name="Google Shape;726;p63"/>
           <p:cNvSpPr txBox="1">
             <a:spLocks noGrp="1"/>
           </p:cNvSpPr>
@@ -19189,14 +19279,112 @@
               <a:buNone/>
             </a:pPr>
             <a:r>
-              <a:rPr lang="en"/>
-              <a:t>References</a:t>
+              <a:rPr lang="id-ID" dirty="0" smtClean="0"/>
+              <a:t>SEO Score</a:t>
             </a:r>
-            <a:endParaRPr/>
+            <a:endParaRPr b="1" dirty="0"/>
+          </a:p>
+        </p:txBody>
+      </p:sp>
+      <p:pic>
+        <p:nvPicPr>
+          <p:cNvPr id="3" name="Picture 2"/>
+          <p:cNvPicPr>
+            <a:picLocks noChangeAspect="1"/>
+          </p:cNvPicPr>
+          <p:nvPr/>
+        </p:nvPicPr>
+        <p:blipFill>
+          <a:blip r:embed="rId3">
+            <a:extLst>
+              <a:ext uri="{28A0092B-C50C-407E-A947-70E740481C1C}">
+                <a14:useLocalDpi xmlns:a14="http://schemas.microsoft.com/office/drawing/2010/main" val="0"/>
+              </a:ext>
+            </a:extLst>
+          </a:blip>
+          <a:stretch>
+            <a:fillRect/>
+          </a:stretch>
+        </p:blipFill>
+        <p:spPr>
+          <a:xfrm>
+            <a:off x="951995" y="2378195"/>
+            <a:ext cx="7240010" cy="2191056"/>
+          </a:xfrm>
+          <a:prstGeom prst="round2DiagRect">
+            <a:avLst>
+              <a:gd name="adj1" fmla="val 16667"/>
+              <a:gd name="adj2" fmla="val 0"/>
+            </a:avLst>
+          </a:prstGeom>
+          <a:ln w="88900" cap="sq">
+            <a:solidFill>
+              <a:srgbClr val="FFFFFF"/>
+            </a:solidFill>
+            <a:miter lim="800000"/>
+          </a:ln>
+          <a:effectLst>
+            <a:outerShdw blurRad="254000" algn="tl" rotWithShape="0">
+              <a:srgbClr val="000000">
+                <a:alpha val="43000"/>
+              </a:srgbClr>
+            </a:outerShdw>
+          </a:effectLst>
+        </p:spPr>
+      </p:pic>
+      <p:sp>
+        <p:nvSpPr>
+          <p:cNvPr id="5" name="Subtitle 1"/>
+          <p:cNvSpPr>
+            <a:spLocks noGrp="1"/>
+          </p:cNvSpPr>
+          <p:nvPr>
+            <p:ph type="subTitle" idx="1"/>
+          </p:nvPr>
+        </p:nvSpPr>
+        <p:spPr>
+          <a:xfrm>
+            <a:off x="1834800" y="1184126"/>
+            <a:ext cx="5474400" cy="417900"/>
+          </a:xfrm>
+        </p:spPr>
+        <p:txBody>
+          <a:bodyPr/>
+          <a:lstStyle/>
+          <a:p>
+            <a:pPr marL="0" lvl="0" indent="0"/>
+            <a:r>
+              <a:rPr lang="id-ID" dirty="0" smtClean="0"/>
+              <a:t>Search Engin Optimization, adalah serangkaian proses yang</a:t>
+            </a:r>
+          </a:p>
+          <a:p>
+            <a:pPr marL="0" lvl="0" indent="0"/>
+            <a:r>
+              <a:rPr lang="id-ID" dirty="0"/>
+              <a:t>d</a:t>
+            </a:r>
+            <a:r>
+              <a:rPr lang="id-ID" dirty="0" smtClean="0"/>
+              <a:t>ilakukan secara sistematis yang bertujuan untuk meningkatkan</a:t>
+            </a:r>
+          </a:p>
+          <a:p>
+            <a:pPr marL="0" lvl="0" indent="0"/>
+            <a:r>
+              <a:rPr lang="id-ID" dirty="0" smtClean="0"/>
+              <a:t>volume dan kualitas trafik kunjungan melalui mesin pencari menuju situs web tertentu</a:t>
+            </a:r>
+            <a:endParaRPr lang="sv-SE" dirty="0"/>
           </a:p>
         </p:txBody>
       </p:sp>
     </p:spTree>
+    <p:extLst>
+      <p:ext uri="{BB962C8B-B14F-4D97-AF65-F5344CB8AC3E}">
+        <p14:creationId xmlns:p14="http://schemas.microsoft.com/office/powerpoint/2010/main" val="2690236117"/>
+      </p:ext>
+    </p:extLst>
   </p:cSld>
   <p:clrMapOvr>
     <a:masterClrMapping/>
@@ -19367,7 +19555,7 @@
                 </a:spcAft>
                 <a:buNone/>
               </a:pPr>
-              <a:endParaRPr/>
+              <a:endParaRPr dirty="0"/>
             </a:p>
           </p:txBody>
         </p:sp>
@@ -19414,7 +19602,7 @@
                 </a:spcAft>
                 <a:buNone/>
               </a:pPr>
-              <a:endParaRPr/>
+              <a:endParaRPr dirty="0"/>
             </a:p>
           </p:txBody>
         </p:sp>
@@ -19461,7 +19649,7 @@
                 </a:spcAft>
                 <a:buNone/>
               </a:pPr>
-              <a:endParaRPr/>
+              <a:endParaRPr dirty="0"/>
             </a:p>
           </p:txBody>
         </p:sp>
@@ -19501,7 +19689,7 @@
                 </a:spcAft>
                 <a:buNone/>
               </a:pPr>
-              <a:endParaRPr/>
+              <a:endParaRPr dirty="0"/>
             </a:p>
           </p:txBody>
         </p:sp>
@@ -19886,6 +20074,206 @@
 </file>
 
 <file path=ppt/slides/slide18.xml><?xml version="1.0" encoding="utf-8"?>
+<p:sld xmlns:a="http://schemas.openxmlformats.org/drawingml/2006/main" xmlns:r="http://schemas.openxmlformats.org/officeDocument/2006/relationships" xmlns:p="http://schemas.openxmlformats.org/presentationml/2006/main">
+  <p:cSld>
+    <p:spTree>
+      <p:nvGrpSpPr>
+        <p:cNvPr id="1" name="Shape 756"/>
+        <p:cNvGrpSpPr/>
+        <p:nvPr/>
+      </p:nvGrpSpPr>
+      <p:grpSpPr>
+        <a:xfrm>
+          <a:off x="0" y="0"/>
+          <a:ext cx="0" cy="0"/>
+          <a:chOff x="0" y="0"/>
+          <a:chExt cx="0" cy="0"/>
+        </a:xfrm>
+      </p:grpSpPr>
+      <p:sp>
+        <p:nvSpPr>
+          <p:cNvPr id="757" name="Google Shape;757;p64"/>
+          <p:cNvSpPr txBox="1">
+            <a:spLocks noGrp="1"/>
+          </p:cNvSpPr>
+          <p:nvPr>
+            <p:ph type="subTitle" idx="1"/>
+          </p:nvPr>
+        </p:nvSpPr>
+        <p:spPr>
+          <a:xfrm>
+            <a:off x="715799" y="2136738"/>
+            <a:ext cx="7708201" cy="1259605"/>
+          </a:xfrm>
+          <a:prstGeom prst="rect">
+            <a:avLst/>
+          </a:prstGeom>
+        </p:spPr>
+        <p:txBody>
+          <a:bodyPr spcFirstLastPara="1" wrap="square" lIns="91425" tIns="91425" rIns="91425" bIns="91425" anchor="t" anchorCtr="0">
+            <a:noAutofit/>
+          </a:bodyPr>
+          <a:lstStyle/>
+          <a:p>
+            <a:pPr lvl="0"/>
+            <a:r>
+              <a:rPr lang="id-ID" dirty="0" smtClean="0"/>
+              <a:t>Project Team ke-3 </a:t>
+            </a:r>
+            <a:r>
+              <a:rPr lang="en" dirty="0" smtClean="0"/>
+              <a:t>(</a:t>
+            </a:r>
+            <a:r>
+              <a:rPr lang="id-ID" dirty="0" smtClean="0"/>
+              <a:t>2022</a:t>
+            </a:r>
+            <a:r>
+              <a:rPr lang="en" dirty="0" smtClean="0"/>
+              <a:t>). </a:t>
+            </a:r>
+            <a:r>
+              <a:rPr lang="id-ID" dirty="0" smtClean="0"/>
+              <a:t>https</a:t>
+            </a:r>
+            <a:r>
+              <a:rPr lang="id-ID" dirty="0"/>
+              <a:t>://github.com/rifkiramadhan/project-team-03</a:t>
+            </a:r>
+            <a:endParaRPr dirty="0"/>
+          </a:p>
+          <a:p>
+            <a:pPr marL="457200" lvl="0" indent="0" algn="l" rtl="0">
+              <a:spcBef>
+                <a:spcPts val="0"/>
+              </a:spcBef>
+              <a:spcAft>
+                <a:spcPts val="0"/>
+              </a:spcAft>
+              <a:buNone/>
+            </a:pPr>
+            <a:endParaRPr dirty="0"/>
+          </a:p>
+          <a:p>
+            <a:pPr lvl="0"/>
+            <a:r>
+              <a:rPr lang="id-ID" dirty="0" smtClean="0"/>
+              <a:t>CSS Matic (2022</a:t>
+            </a:r>
+            <a:r>
+              <a:rPr lang="en" dirty="0" smtClean="0"/>
+              <a:t>). </a:t>
+            </a:r>
+            <a:r>
+              <a:rPr lang="id-ID" dirty="0"/>
+              <a:t>https://</a:t>
+            </a:r>
+            <a:r>
+              <a:rPr lang="id-ID" dirty="0" smtClean="0"/>
+              <a:t>www.cssmatic.com</a:t>
+            </a:r>
+            <a:endParaRPr dirty="0"/>
+          </a:p>
+          <a:p>
+            <a:pPr marL="457200" lvl="0" indent="0" algn="l" rtl="0">
+              <a:spcBef>
+                <a:spcPts val="0"/>
+              </a:spcBef>
+              <a:spcAft>
+                <a:spcPts val="0"/>
+              </a:spcAft>
+              <a:buNone/>
+            </a:pPr>
+            <a:endParaRPr dirty="0"/>
+          </a:p>
+          <a:p>
+            <a:pPr lvl="0"/>
+            <a:r>
+              <a:rPr lang="id-ID" dirty="0" smtClean="0"/>
+              <a:t>Codepen </a:t>
+            </a:r>
+            <a:r>
+              <a:rPr lang="en" dirty="0" smtClean="0"/>
+              <a:t>(</a:t>
+            </a:r>
+            <a:r>
+              <a:rPr lang="id-ID" dirty="0" smtClean="0"/>
+              <a:t>2022</a:t>
+            </a:r>
+            <a:r>
+              <a:rPr lang="en" dirty="0" smtClean="0"/>
+              <a:t>). </a:t>
+            </a:r>
+            <a:r>
+              <a:rPr lang="id-ID" dirty="0"/>
+              <a:t>https://</a:t>
+            </a:r>
+            <a:r>
+              <a:rPr lang="id-ID" dirty="0" smtClean="0"/>
+              <a:t>codepen.io</a:t>
+            </a:r>
+            <a:endParaRPr dirty="0"/>
+          </a:p>
+        </p:txBody>
+      </p:sp>
+      <p:sp>
+        <p:nvSpPr>
+          <p:cNvPr id="758" name="Google Shape;758;p64"/>
+          <p:cNvSpPr txBox="1">
+            <a:spLocks noGrp="1"/>
+          </p:cNvSpPr>
+          <p:nvPr>
+            <p:ph type="title"/>
+          </p:nvPr>
+        </p:nvSpPr>
+        <p:spPr>
+          <a:xfrm>
+            <a:off x="720000" y="445025"/>
+            <a:ext cx="7704000" cy="572700"/>
+          </a:xfrm>
+          <a:prstGeom prst="rect">
+            <a:avLst/>
+          </a:prstGeom>
+        </p:spPr>
+        <p:txBody>
+          <a:bodyPr spcFirstLastPara="1" wrap="square" lIns="91425" tIns="91425" rIns="91425" bIns="91425" anchor="t" anchorCtr="0">
+            <a:noAutofit/>
+          </a:bodyPr>
+          <a:lstStyle/>
+          <a:p>
+            <a:pPr marL="0" lvl="0" indent="0" algn="ctr" rtl="0">
+              <a:spcBef>
+                <a:spcPts val="0"/>
+              </a:spcBef>
+              <a:spcAft>
+                <a:spcPts val="0"/>
+              </a:spcAft>
+              <a:buNone/>
+            </a:pPr>
+            <a:r>
+              <a:rPr lang="en"/>
+              <a:t>References</a:t>
+            </a:r>
+            <a:endParaRPr dirty="0"/>
+          </a:p>
+        </p:txBody>
+      </p:sp>
+    </p:spTree>
+  </p:cSld>
+  <p:clrMapOvr>
+    <a:masterClrMapping/>
+  </p:clrMapOvr>
+  <p:timing>
+    <p:tnLst>
+      <p:par>
+        <p:cTn id="1" dur="indefinite" restart="never" nodeType="tmRoot"/>
+      </p:par>
+    </p:tnLst>
+  </p:timing>
+</p:sld>
+</file>
+
+<file path=ppt/slides/slide19.xml><?xml version="1.0" encoding="utf-8"?>
 <p:sld xmlns:a="http://schemas.openxmlformats.org/drawingml/2006/main" xmlns:r="http://schemas.openxmlformats.org/officeDocument/2006/relationships" xmlns:p="http://schemas.openxmlformats.org/presentationml/2006/main">
   <p:cSld>
     <p:spTree>
@@ -21039,7 +21427,15 @@
             </a:r>
             <a:r>
               <a:rPr lang="id-ID" dirty="0"/>
-              <a:t>kemudian setiap Pasien yang berkonsultasi akan diberikan solusi dan rekomendasi obat-obatan kesehatan sesuai resep Dokter yang dapat di beli melalui aplikasi Codi Health.</a:t>
+              <a:t>kemudian setiap Pasien yang berkonsultasi akan diberikan solusi dan rekomendasi obat-obatan </a:t>
+            </a:r>
+            <a:r>
+              <a:rPr lang="id-ID" dirty="0" smtClean="0"/>
+              <a:t>kesehatan berkualitas </a:t>
+            </a:r>
+            <a:r>
+              <a:rPr lang="id-ID" dirty="0"/>
+              <a:t>sesuai resep Dokter yang dapat di beli melalui aplikasi Codi Health.</a:t>
             </a:r>
           </a:p>
         </p:txBody>
@@ -21198,23 +21594,7 @@
                   <a:schemeClr val="dk1"/>
                 </a:solidFill>
               </a:rPr>
-              <a:t>eiring dengan berkembangnya Teknologi yang semakin cepat </a:t>
-            </a:r>
-            <a:r>
-              <a:rPr lang="id-ID" dirty="0" smtClean="0">
-                <a:solidFill>
-                  <a:schemeClr val="dk1"/>
-                </a:solidFill>
-              </a:rPr>
-              <a:t>dan modern dari </a:t>
-            </a:r>
-            <a:r>
-              <a:rPr lang="id-ID" dirty="0" smtClean="0">
-                <a:solidFill>
-                  <a:schemeClr val="dk1"/>
-                </a:solidFill>
-              </a:rPr>
-              <a:t>Tahun ke Tahun, </a:t>
+              <a:t>eiring dengan berkembangnya Teknologi yang semakin cepat dan modern dari Tahun ke Tahun, </a:t>
             </a:r>
             <a:r>
               <a:rPr lang="id-ID" dirty="0" smtClean="0"/>
@@ -21226,15 +21606,7 @@
                   <a:schemeClr val="dk1"/>
                 </a:solidFill>
               </a:rPr>
-              <a:t> </a:t>
-            </a:r>
-            <a:r>
-              <a:rPr lang="id-ID" dirty="0" smtClean="0">
-                <a:solidFill>
-                  <a:schemeClr val="dk1"/>
-                </a:solidFill>
-              </a:rPr>
-              <a:t>banyaknya permintaan untuk konsultasi antara Masyarakat Umum </a:t>
+              <a:t> banyaknya permintaan untuk konsultasi antara Masyarakat Umum </a:t>
             </a:r>
             <a:r>
               <a:rPr lang="id-ID" dirty="0" smtClean="0"/>
@@ -21246,7 +21618,7 @@
                   <a:schemeClr val="dk1"/>
                 </a:solidFill>
               </a:rPr>
-              <a:t> </a:t>
+              <a:t> Dokter Spesialist untuk mendapatkan saran dalam pembelian kebutuhan </a:t>
             </a:r>
             <a:r>
               <a:rPr lang="id-ID" dirty="0" smtClean="0">
@@ -21254,7 +21626,15 @@
                   <a:schemeClr val="dk1"/>
                 </a:solidFill>
               </a:rPr>
-              <a:t>Dokter Spesialist untuk mendapatkan saran dalam pembelian kebutuhan obat-obatan untuk kesehatan yang seakan hal ini  menjadi gap (jarak) antara permintaan masyarakat umum terhadap industri rumah sakit, maka saya selaku Siswa dari Bootcamp Code.id membuat Sistem Informasi yang bertujuan untuk mengisi gap (jarak) tersebut dengan menciptakan aplikasi Codigram.</a:t>
+              <a:t>obat-obatan berkualitas </a:t>
+            </a:r>
+            <a:r>
+              <a:rPr lang="id-ID" dirty="0" smtClean="0">
+                <a:solidFill>
+                  <a:schemeClr val="dk1"/>
+                </a:solidFill>
+              </a:rPr>
+              <a:t>untuk kesehatan yang seakan hal ini  menjadi gap (jarak) antara permintaan masyarakat umum terhadap industri rumah sakit, maka saya selaku Siswa dari Bootcamp Code.id membuat Sistem Informasi yang bertujuan untuk mengisi gap (jarak) tersebut dengan menciptakan aplikasi Codigram.</a:t>
             </a:r>
             <a:endParaRPr dirty="0" smtClean="0">
               <a:solidFill>
@@ -21374,7 +21754,7 @@
                   <a:schemeClr val="dk1"/>
                 </a:solidFill>
               </a:rPr>
-              <a:t>Setiap Pasien dapat berkonsultasi dengan Dokter Specialist sampai mendapatkan obat yang berkualitas dan dengan harga yang Ekonomis</a:t>
+              <a:t>Setiap Pasien dapat berkonsultasi dengan Dokter Specialist sampai mendapatkan resep obat yang berkualitas dan dengan harga yang Ekonomis</a:t>
             </a:r>
             <a:r>
               <a:rPr lang="en" dirty="0" smtClean="0">
@@ -21441,8 +21821,8 @@
               <a:t>dat</a:t>
             </a:r>
             <a:r>
-              <a:rPr lang="id-ID" dirty="0" smtClean="0"/>
-              <a:t>i</a:t>
+              <a:rPr lang="id-ID" dirty="0"/>
+              <a:t>a</a:t>
             </a:r>
             <a:r>
               <a:rPr dirty="0" err="1" smtClean="0"/>
@@ -21775,7 +22155,7 @@
         </p:nvSpPr>
         <p:spPr>
           <a:xfrm>
-            <a:off x="1482725" y="1836381"/>
+            <a:off x="1482725" y="2041864"/>
             <a:ext cx="2661000" cy="527700"/>
           </a:xfrm>
           <a:prstGeom prst="rect">
@@ -21817,7 +22197,7 @@
         </p:nvSpPr>
         <p:spPr>
           <a:xfrm>
-            <a:off x="1485754" y="2186400"/>
+            <a:off x="1485754" y="2391883"/>
             <a:ext cx="2661000" cy="572700"/>
           </a:xfrm>
           <a:prstGeom prst="rect">
@@ -21845,7 +22225,15 @@
             </a:r>
             <a:r>
               <a:rPr lang="id-ID" dirty="0" smtClean="0"/>
-              <a:t>istem basis data yang disebarkan bebas lisensi</a:t>
+              <a:t>istem basis data </a:t>
+            </a:r>
+            <a:r>
+              <a:rPr lang="id-ID" dirty="0" smtClean="0"/>
+              <a:t>yang </a:t>
+            </a:r>
+            <a:r>
+              <a:rPr lang="id-ID" dirty="0" smtClean="0"/>
+              <a:t>secara open-source</a:t>
             </a:r>
             <a:endParaRPr dirty="0"/>
           </a:p>
@@ -21863,7 +22251,7 @@
         </p:nvSpPr>
         <p:spPr>
           <a:xfrm>
-            <a:off x="5008647" y="1856548"/>
+            <a:off x="5008647" y="2062031"/>
             <a:ext cx="2649600" cy="527700"/>
           </a:xfrm>
           <a:prstGeom prst="rect">
@@ -21905,7 +22293,7 @@
         </p:nvSpPr>
         <p:spPr>
           <a:xfrm>
-            <a:off x="5008647" y="2186400"/>
+            <a:off x="5008647" y="2391883"/>
             <a:ext cx="2649600" cy="572700"/>
           </a:xfrm>
           <a:prstGeom prst="rect">
@@ -21959,7 +22347,7 @@
         </p:nvSpPr>
         <p:spPr>
           <a:xfrm>
-            <a:off x="1482725" y="3565133"/>
+            <a:off x="1482725" y="3770616"/>
             <a:ext cx="2661000" cy="527700"/>
           </a:xfrm>
           <a:prstGeom prst="rect">
@@ -22001,7 +22389,7 @@
         </p:nvSpPr>
         <p:spPr>
           <a:xfrm>
-            <a:off x="1485754" y="3915725"/>
+            <a:off x="1485754" y="4121208"/>
             <a:ext cx="2661000" cy="527700"/>
           </a:xfrm>
           <a:prstGeom prst="rect">
@@ -22047,7 +22435,7 @@
         </p:nvSpPr>
         <p:spPr>
           <a:xfrm>
-            <a:off x="4994350" y="3565133"/>
+            <a:off x="4994350" y="3770616"/>
             <a:ext cx="2649600" cy="527700"/>
           </a:xfrm>
           <a:prstGeom prst="rect">
@@ -22089,7 +22477,7 @@
         </p:nvSpPr>
         <p:spPr>
           <a:xfrm>
-            <a:off x="4997371" y="3915725"/>
+            <a:off x="4997371" y="4121208"/>
             <a:ext cx="2649600" cy="527700"/>
           </a:xfrm>
           <a:prstGeom prst="rect">
@@ -22157,7 +22545,7 @@
         </p:blipFill>
         <p:spPr>
           <a:xfrm>
-            <a:off x="2347832" y="1306616"/>
+            <a:off x="2347832" y="1512099"/>
             <a:ext cx="788773" cy="524893"/>
           </a:xfrm>
           <a:prstGeom prst="rect">
@@ -22187,7 +22575,7 @@
         </p:blipFill>
         <p:spPr>
           <a:xfrm>
-            <a:off x="5515018" y="1299636"/>
+            <a:off x="5515018" y="1505119"/>
             <a:ext cx="1608263" cy="538851"/>
           </a:xfrm>
           <a:prstGeom prst="rect">
@@ -22217,7 +22605,7 @@
         </p:blipFill>
         <p:spPr>
           <a:xfrm>
-            <a:off x="2440383" y="2965968"/>
+            <a:off x="2440383" y="3171451"/>
             <a:ext cx="603670" cy="603670"/>
           </a:xfrm>
           <a:prstGeom prst="rect">
@@ -22247,7 +22635,7 @@
         </p:blipFill>
         <p:spPr>
           <a:xfrm>
-            <a:off x="6051834" y="3006668"/>
+            <a:off x="6051834" y="3212151"/>
             <a:ext cx="557185" cy="557185"/>
           </a:xfrm>
           <a:prstGeom prst="rect">
@@ -22498,7 +22886,7 @@
             </a:pPr>
             <a:r>
               <a:rPr lang="id-ID" dirty="0" smtClean="0"/>
-              <a:t>Server Side</a:t>
+              <a:t>Back-End Tech</a:t>
             </a:r>
             <a:endParaRPr dirty="0"/>
           </a:p>
@@ -22752,7 +23140,6 @@
               <a:rPr lang="id-ID" dirty="0"/>
               <a:t>untuk Node.js dengan JavaScript</a:t>
             </a:r>
-            <a:endParaRPr lang="id-ID" dirty="0"/>
           </a:p>
         </p:txBody>
       </p:sp>

--- a/PPT Codigram.pptx
+++ b/PPT Codigram.pptx
@@ -5,7 +5,7 @@
     <p:sldMasterId id="2147483681" r:id="rId1"/>
   </p:sldMasterIdLst>
   <p:notesMasterIdLst>
-    <p:notesMasterId r:id="rId21"/>
+    <p:notesMasterId r:id="rId22"/>
   </p:notesMasterIdLst>
   <p:sldIdLst>
     <p:sldId id="256" r:id="rId2"/>
@@ -24,23 +24,24 @@
     <p:sldId id="283" r:id="rId15"/>
     <p:sldId id="277" r:id="rId16"/>
     <p:sldId id="295" r:id="rId17"/>
-    <p:sldId id="286" r:id="rId18"/>
-    <p:sldId id="284" r:id="rId19"/>
-    <p:sldId id="294" r:id="rId20"/>
+    <p:sldId id="296" r:id="rId18"/>
+    <p:sldId id="286" r:id="rId19"/>
+    <p:sldId id="284" r:id="rId20"/>
+    <p:sldId id="294" r:id="rId21"/>
   </p:sldIdLst>
   <p:sldSz cx="9144000" cy="5143500" type="screen16x9"/>
   <p:notesSz cx="6858000" cy="9144000"/>
   <p:embeddedFontLst>
     <p:embeddedFont>
       <p:font typeface="Krona One" panose="020B0604020202020204" charset="0"/>
-      <p:regular r:id="rId22"/>
+      <p:regular r:id="rId23"/>
     </p:embeddedFont>
     <p:embeddedFont>
       <p:font typeface="DM Sans" panose="020B0604020202020204" charset="0"/>
-      <p:regular r:id="rId23"/>
-      <p:bold r:id="rId24"/>
-      <p:italic r:id="rId25"/>
-      <p:boldItalic r:id="rId26"/>
+      <p:regular r:id="rId24"/>
+      <p:bold r:id="rId25"/>
+      <p:italic r:id="rId26"/>
+      <p:boldItalic r:id="rId27"/>
     </p:embeddedFont>
   </p:embeddedFontLst>
   <p:defaultTextStyle>
@@ -1614,6 +1615,115 @@
   <p:cSld>
     <p:spTree>
       <p:nvGrpSpPr>
+        <p:cNvPr id="1" name="Shape 722"/>
+        <p:cNvGrpSpPr/>
+        <p:nvPr/>
+      </p:nvGrpSpPr>
+      <p:grpSpPr>
+        <a:xfrm>
+          <a:off x="0" y="0"/>
+          <a:ext cx="0" cy="0"/>
+          <a:chOff x="0" y="0"/>
+          <a:chExt cx="0" cy="0"/>
+        </a:xfrm>
+      </p:grpSpPr>
+      <p:sp>
+        <p:nvSpPr>
+          <p:cNvPr id="723" name="Google Shape;723;g1069b138c28_0_115:notes"/>
+          <p:cNvSpPr>
+            <a:spLocks noGrp="1" noRot="1" noChangeAspect="1"/>
+          </p:cNvSpPr>
+          <p:nvPr>
+            <p:ph type="sldImg" idx="2"/>
+          </p:nvPr>
+        </p:nvSpPr>
+        <p:spPr>
+          <a:xfrm>
+            <a:off x="381000" y="685800"/>
+            <a:ext cx="6096000" cy="3429000"/>
+          </a:xfrm>
+          <a:custGeom>
+            <a:avLst/>
+            <a:gdLst/>
+            <a:ahLst/>
+            <a:cxnLst/>
+            <a:rect l="l" t="t" r="r" b="b"/>
+            <a:pathLst>
+              <a:path w="120000" h="120000" extrusionOk="0">
+                <a:moveTo>
+                  <a:pt x="0" y="0"/>
+                </a:moveTo>
+                <a:lnTo>
+                  <a:pt x="120000" y="0"/>
+                </a:lnTo>
+                <a:lnTo>
+                  <a:pt x="120000" y="120000"/>
+                </a:lnTo>
+                <a:lnTo>
+                  <a:pt x="0" y="120000"/>
+                </a:lnTo>
+                <a:close/>
+              </a:path>
+            </a:pathLst>
+          </a:custGeom>
+        </p:spPr>
+      </p:sp>
+      <p:sp>
+        <p:nvSpPr>
+          <p:cNvPr id="724" name="Google Shape;724;g1069b138c28_0_115:notes"/>
+          <p:cNvSpPr txBox="1">
+            <a:spLocks noGrp="1"/>
+          </p:cNvSpPr>
+          <p:nvPr>
+            <p:ph type="body" idx="1"/>
+          </p:nvPr>
+        </p:nvSpPr>
+        <p:spPr>
+          <a:xfrm>
+            <a:off x="685800" y="4343400"/>
+            <a:ext cx="5486400" cy="4114800"/>
+          </a:xfrm>
+          <a:prstGeom prst="rect">
+            <a:avLst/>
+          </a:prstGeom>
+        </p:spPr>
+        <p:txBody>
+          <a:bodyPr spcFirstLastPara="1" wrap="square" lIns="91425" tIns="91425" rIns="91425" bIns="91425" anchor="t" anchorCtr="0">
+            <a:noAutofit/>
+          </a:bodyPr>
+          <a:lstStyle/>
+          <a:p>
+            <a:pPr marL="0" lvl="0" indent="0" algn="l" rtl="0">
+              <a:spcBef>
+                <a:spcPts val="0"/>
+              </a:spcBef>
+              <a:spcAft>
+                <a:spcPts val="0"/>
+              </a:spcAft>
+              <a:buNone/>
+            </a:pPr>
+            <a:endParaRPr dirty="0"/>
+          </a:p>
+        </p:txBody>
+      </p:sp>
+    </p:spTree>
+    <p:extLst>
+      <p:ext uri="{BB962C8B-B14F-4D97-AF65-F5344CB8AC3E}">
+        <p14:creationId xmlns:p14="http://schemas.microsoft.com/office/powerpoint/2010/main" val="483632115"/>
+      </p:ext>
+    </p:extLst>
+  </p:cSld>
+  <p:clrMapOvr>
+    <a:masterClrMapping/>
+  </p:clrMapOvr>
+</p:notes>
+</file>
+
+<file path=ppt/notesSlides/notesSlide18.xml><?xml version="1.0" encoding="utf-8"?>
+<p:notes xmlns:a="http://schemas.openxmlformats.org/drawingml/2006/main" xmlns:r="http://schemas.openxmlformats.org/officeDocument/2006/relationships" xmlns:p="http://schemas.openxmlformats.org/presentationml/2006/main" showMasterSp="0" showMasterPhAnim="0">
+  <p:cSld>
+    <p:spTree>
+      <p:nvGrpSpPr>
         <p:cNvPr id="1" name="Shape 773"/>
         <p:cNvGrpSpPr/>
         <p:nvPr/>
@@ -1718,7 +1828,7 @@
 </p:notes>
 </file>
 
-<file path=ppt/notesSlides/notesSlide18.xml><?xml version="1.0" encoding="utf-8"?>
+<file path=ppt/notesSlides/notesSlide19.xml><?xml version="1.0" encoding="utf-8"?>
 <p:notes xmlns:a="http://schemas.openxmlformats.org/drawingml/2006/main" xmlns:r="http://schemas.openxmlformats.org/officeDocument/2006/relationships" xmlns:p="http://schemas.openxmlformats.org/presentationml/2006/main" showMasterSp="0" showMasterPhAnim="0">
   <p:cSld>
     <p:spTree>
@@ -1818,115 +1928,6 @@
     <p:extLst>
       <p:ext uri="{BB962C8B-B14F-4D97-AF65-F5344CB8AC3E}">
         <p14:creationId xmlns:p14="http://schemas.microsoft.com/office/powerpoint/2010/main" val="2030425590"/>
-      </p:ext>
-    </p:extLst>
-  </p:cSld>
-  <p:clrMapOvr>
-    <a:masterClrMapping/>
-  </p:clrMapOvr>
-</p:notes>
-</file>
-
-<file path=ppt/notesSlides/notesSlide19.xml><?xml version="1.0" encoding="utf-8"?>
-<p:notes xmlns:a="http://schemas.openxmlformats.org/drawingml/2006/main" xmlns:r="http://schemas.openxmlformats.org/officeDocument/2006/relationships" xmlns:p="http://schemas.openxmlformats.org/presentationml/2006/main" showMasterSp="0" showMasterPhAnim="0">
-  <p:cSld>
-    <p:spTree>
-      <p:nvGrpSpPr>
-        <p:cNvPr id="1" name="Shape 722"/>
-        <p:cNvGrpSpPr/>
-        <p:nvPr/>
-      </p:nvGrpSpPr>
-      <p:grpSpPr>
-        <a:xfrm>
-          <a:off x="0" y="0"/>
-          <a:ext cx="0" cy="0"/>
-          <a:chOff x="0" y="0"/>
-          <a:chExt cx="0" cy="0"/>
-        </a:xfrm>
-      </p:grpSpPr>
-      <p:sp>
-        <p:nvSpPr>
-          <p:cNvPr id="723" name="Google Shape;723;g1069b138c28_0_115:notes"/>
-          <p:cNvSpPr>
-            <a:spLocks noGrp="1" noRot="1" noChangeAspect="1"/>
-          </p:cNvSpPr>
-          <p:nvPr>
-            <p:ph type="sldImg" idx="2"/>
-          </p:nvPr>
-        </p:nvSpPr>
-        <p:spPr>
-          <a:xfrm>
-            <a:off x="381000" y="685800"/>
-            <a:ext cx="6096000" cy="3429000"/>
-          </a:xfrm>
-          <a:custGeom>
-            <a:avLst/>
-            <a:gdLst/>
-            <a:ahLst/>
-            <a:cxnLst/>
-            <a:rect l="l" t="t" r="r" b="b"/>
-            <a:pathLst>
-              <a:path w="120000" h="120000" extrusionOk="0">
-                <a:moveTo>
-                  <a:pt x="0" y="0"/>
-                </a:moveTo>
-                <a:lnTo>
-                  <a:pt x="120000" y="0"/>
-                </a:lnTo>
-                <a:lnTo>
-                  <a:pt x="120000" y="120000"/>
-                </a:lnTo>
-                <a:lnTo>
-                  <a:pt x="0" y="120000"/>
-                </a:lnTo>
-                <a:close/>
-              </a:path>
-            </a:pathLst>
-          </a:custGeom>
-        </p:spPr>
-      </p:sp>
-      <p:sp>
-        <p:nvSpPr>
-          <p:cNvPr id="724" name="Google Shape;724;g1069b138c28_0_115:notes"/>
-          <p:cNvSpPr txBox="1">
-            <a:spLocks noGrp="1"/>
-          </p:cNvSpPr>
-          <p:nvPr>
-            <p:ph type="body" idx="1"/>
-          </p:nvPr>
-        </p:nvSpPr>
-        <p:spPr>
-          <a:xfrm>
-            <a:off x="685800" y="4343400"/>
-            <a:ext cx="5486400" cy="4114800"/>
-          </a:xfrm>
-          <a:prstGeom prst="rect">
-            <a:avLst/>
-          </a:prstGeom>
-        </p:spPr>
-        <p:txBody>
-          <a:bodyPr spcFirstLastPara="1" wrap="square" lIns="91425" tIns="91425" rIns="91425" bIns="91425" anchor="t" anchorCtr="0">
-            <a:noAutofit/>
-          </a:bodyPr>
-          <a:lstStyle/>
-          <a:p>
-            <a:pPr marL="0" lvl="0" indent="0" algn="l" rtl="0">
-              <a:spcBef>
-                <a:spcPts val="0"/>
-              </a:spcBef>
-              <a:spcAft>
-                <a:spcPts val="0"/>
-              </a:spcAft>
-              <a:buNone/>
-            </a:pPr>
-            <a:endParaRPr dirty="0"/>
-          </a:p>
-        </p:txBody>
-      </p:sp>
-    </p:spTree>
-    <p:extLst>
-      <p:ext uri="{BB962C8B-B14F-4D97-AF65-F5344CB8AC3E}">
-        <p14:creationId xmlns:p14="http://schemas.microsoft.com/office/powerpoint/2010/main" val="2280442990"/>
       </p:ext>
     </p:extLst>
   </p:cSld>
@@ -2036,6 +2037,115 @@
     <p:extLst>
       <p:ext uri="{BB962C8B-B14F-4D97-AF65-F5344CB8AC3E}">
         <p14:creationId xmlns:p14="http://schemas.microsoft.com/office/powerpoint/2010/main" val="1493581871"/>
+      </p:ext>
+    </p:extLst>
+  </p:cSld>
+  <p:clrMapOvr>
+    <a:masterClrMapping/>
+  </p:clrMapOvr>
+</p:notes>
+</file>
+
+<file path=ppt/notesSlides/notesSlide20.xml><?xml version="1.0" encoding="utf-8"?>
+<p:notes xmlns:a="http://schemas.openxmlformats.org/drawingml/2006/main" xmlns:r="http://schemas.openxmlformats.org/officeDocument/2006/relationships" xmlns:p="http://schemas.openxmlformats.org/presentationml/2006/main" showMasterSp="0" showMasterPhAnim="0">
+  <p:cSld>
+    <p:spTree>
+      <p:nvGrpSpPr>
+        <p:cNvPr id="1" name="Shape 722"/>
+        <p:cNvGrpSpPr/>
+        <p:nvPr/>
+      </p:nvGrpSpPr>
+      <p:grpSpPr>
+        <a:xfrm>
+          <a:off x="0" y="0"/>
+          <a:ext cx="0" cy="0"/>
+          <a:chOff x="0" y="0"/>
+          <a:chExt cx="0" cy="0"/>
+        </a:xfrm>
+      </p:grpSpPr>
+      <p:sp>
+        <p:nvSpPr>
+          <p:cNvPr id="723" name="Google Shape;723;g1069b138c28_0_115:notes"/>
+          <p:cNvSpPr>
+            <a:spLocks noGrp="1" noRot="1" noChangeAspect="1"/>
+          </p:cNvSpPr>
+          <p:nvPr>
+            <p:ph type="sldImg" idx="2"/>
+          </p:nvPr>
+        </p:nvSpPr>
+        <p:spPr>
+          <a:xfrm>
+            <a:off x="381000" y="685800"/>
+            <a:ext cx="6096000" cy="3429000"/>
+          </a:xfrm>
+          <a:custGeom>
+            <a:avLst/>
+            <a:gdLst/>
+            <a:ahLst/>
+            <a:cxnLst/>
+            <a:rect l="l" t="t" r="r" b="b"/>
+            <a:pathLst>
+              <a:path w="120000" h="120000" extrusionOk="0">
+                <a:moveTo>
+                  <a:pt x="0" y="0"/>
+                </a:moveTo>
+                <a:lnTo>
+                  <a:pt x="120000" y="0"/>
+                </a:lnTo>
+                <a:lnTo>
+                  <a:pt x="120000" y="120000"/>
+                </a:lnTo>
+                <a:lnTo>
+                  <a:pt x="0" y="120000"/>
+                </a:lnTo>
+                <a:close/>
+              </a:path>
+            </a:pathLst>
+          </a:custGeom>
+        </p:spPr>
+      </p:sp>
+      <p:sp>
+        <p:nvSpPr>
+          <p:cNvPr id="724" name="Google Shape;724;g1069b138c28_0_115:notes"/>
+          <p:cNvSpPr txBox="1">
+            <a:spLocks noGrp="1"/>
+          </p:cNvSpPr>
+          <p:nvPr>
+            <p:ph type="body" idx="1"/>
+          </p:nvPr>
+        </p:nvSpPr>
+        <p:spPr>
+          <a:xfrm>
+            <a:off x="685800" y="4343400"/>
+            <a:ext cx="5486400" cy="4114800"/>
+          </a:xfrm>
+          <a:prstGeom prst="rect">
+            <a:avLst/>
+          </a:prstGeom>
+        </p:spPr>
+        <p:txBody>
+          <a:bodyPr spcFirstLastPara="1" wrap="square" lIns="91425" tIns="91425" rIns="91425" bIns="91425" anchor="t" anchorCtr="0">
+            <a:noAutofit/>
+          </a:bodyPr>
+          <a:lstStyle/>
+          <a:p>
+            <a:pPr marL="0" lvl="0" indent="0" algn="l" rtl="0">
+              <a:spcBef>
+                <a:spcPts val="0"/>
+              </a:spcBef>
+              <a:spcAft>
+                <a:spcPts val="0"/>
+              </a:spcAft>
+              <a:buNone/>
+            </a:pPr>
+            <a:endParaRPr dirty="0"/>
+          </a:p>
+        </p:txBody>
+      </p:sp>
+    </p:spTree>
+    <p:extLst>
+      <p:ext uri="{BB962C8B-B14F-4D97-AF65-F5344CB8AC3E}">
+        <p14:creationId xmlns:p14="http://schemas.microsoft.com/office/powerpoint/2010/main" val="2280442990"/>
       </p:ext>
     </p:extLst>
   </p:cSld>
@@ -17714,7 +17824,7 @@
         </p:nvSpPr>
         <p:spPr>
           <a:xfrm>
-            <a:off x="878003" y="2754848"/>
+            <a:off x="857456" y="2744574"/>
             <a:ext cx="2175873" cy="527700"/>
           </a:xfrm>
           <a:prstGeom prst="rect">
@@ -17756,7 +17866,7 @@
         </p:nvSpPr>
         <p:spPr>
           <a:xfrm>
-            <a:off x="888490" y="3040148"/>
+            <a:off x="867943" y="3029874"/>
             <a:ext cx="2154900" cy="484800"/>
           </a:xfrm>
           <a:prstGeom prst="rect">
@@ -17798,7 +17908,7 @@
         </p:nvSpPr>
         <p:spPr>
           <a:xfrm>
-            <a:off x="3376804" y="2754848"/>
+            <a:off x="3356257" y="2744574"/>
             <a:ext cx="2133900" cy="527700"/>
           </a:xfrm>
           <a:prstGeom prst="rect">
@@ -17840,7 +17950,7 @@
         </p:nvSpPr>
         <p:spPr>
           <a:xfrm>
-            <a:off x="3387290" y="3040148"/>
+            <a:off x="3366743" y="3029874"/>
             <a:ext cx="2133900" cy="484800"/>
           </a:xfrm>
           <a:prstGeom prst="rect">
@@ -17892,7 +18002,7 @@
         </p:blipFill>
         <p:spPr>
           <a:xfrm>
-            <a:off x="1461062" y="2105959"/>
+            <a:off x="1440515" y="2095685"/>
             <a:ext cx="1030725" cy="571864"/>
           </a:xfrm>
           <a:prstGeom prst="rect">
@@ -17922,7 +18032,7 @@
         </p:blipFill>
         <p:spPr>
           <a:xfrm>
-            <a:off x="4039323" y="2105959"/>
+            <a:off x="4018776" y="2095685"/>
             <a:ext cx="825797" cy="571864"/>
           </a:xfrm>
           <a:prstGeom prst="rect">
@@ -17942,7 +18052,7 @@
         </p:nvSpPr>
         <p:spPr>
           <a:xfrm>
-            <a:off x="5982822" y="2754848"/>
+            <a:off x="5962275" y="2744574"/>
             <a:ext cx="2133900" cy="527700"/>
           </a:xfrm>
           <a:prstGeom prst="rect">
@@ -17984,7 +18094,7 @@
         </p:nvSpPr>
         <p:spPr>
           <a:xfrm>
-            <a:off x="5993308" y="3040148"/>
+            <a:off x="5972761" y="3029874"/>
             <a:ext cx="2133900" cy="484800"/>
           </a:xfrm>
           <a:prstGeom prst="rect">
@@ -18036,7 +18146,7 @@
         </p:blipFill>
         <p:spPr>
           <a:xfrm>
-            <a:off x="6645341" y="2105959"/>
+            <a:off x="6624794" y="2095685"/>
             <a:ext cx="825797" cy="571864"/>
           </a:xfrm>
           <a:prstGeom prst="rect">
@@ -19400,6 +19510,224 @@
 </file>
 
 <file path=ppt/slides/slide17.xml><?xml version="1.0" encoding="utf-8"?>
+<p:sld xmlns:a="http://schemas.openxmlformats.org/drawingml/2006/main" xmlns:r="http://schemas.openxmlformats.org/officeDocument/2006/relationships" xmlns:p="http://schemas.openxmlformats.org/presentationml/2006/main">
+  <p:cSld>
+    <p:spTree>
+      <p:nvGrpSpPr>
+        <p:cNvPr id="1" name="Shape 725"/>
+        <p:cNvGrpSpPr/>
+        <p:nvPr/>
+      </p:nvGrpSpPr>
+      <p:grpSpPr>
+        <a:xfrm>
+          <a:off x="0" y="0"/>
+          <a:ext cx="0" cy="0"/>
+          <a:chOff x="0" y="0"/>
+          <a:chExt cx="0" cy="0"/>
+        </a:xfrm>
+      </p:grpSpPr>
+      <p:sp>
+        <p:nvSpPr>
+          <p:cNvPr id="726" name="Google Shape;726;p63"/>
+          <p:cNvSpPr txBox="1">
+            <a:spLocks noGrp="1"/>
+          </p:cNvSpPr>
+          <p:nvPr>
+            <p:ph type="title"/>
+          </p:nvPr>
+        </p:nvSpPr>
+        <p:spPr>
+          <a:xfrm>
+            <a:off x="720000" y="445025"/>
+            <a:ext cx="7704000" cy="572700"/>
+          </a:xfrm>
+          <a:prstGeom prst="rect">
+            <a:avLst/>
+          </a:prstGeom>
+        </p:spPr>
+        <p:txBody>
+          <a:bodyPr spcFirstLastPara="1" wrap="square" lIns="91425" tIns="91425" rIns="91425" bIns="91425" anchor="t" anchorCtr="0">
+            <a:noAutofit/>
+          </a:bodyPr>
+          <a:lstStyle/>
+          <a:p>
+            <a:pPr marL="0" lvl="0" indent="0" algn="ctr" rtl="0">
+              <a:spcBef>
+                <a:spcPts val="0"/>
+              </a:spcBef>
+              <a:spcAft>
+                <a:spcPts val="0"/>
+              </a:spcAft>
+              <a:buNone/>
+            </a:pPr>
+            <a:r>
+              <a:rPr lang="en-US" dirty="0" smtClean="0"/>
+              <a:t>Lighthouse</a:t>
+            </a:r>
+            <a:endParaRPr b="1" dirty="0"/>
+          </a:p>
+        </p:txBody>
+      </p:sp>
+      <p:sp>
+        <p:nvSpPr>
+          <p:cNvPr id="5" name="Subtitle 1"/>
+          <p:cNvSpPr>
+            <a:spLocks noGrp="1"/>
+          </p:cNvSpPr>
+          <p:nvPr>
+            <p:ph type="subTitle" idx="1"/>
+          </p:nvPr>
+        </p:nvSpPr>
+        <p:spPr>
+          <a:xfrm>
+            <a:off x="1834800" y="1523173"/>
+            <a:ext cx="5474400" cy="417900"/>
+          </a:xfrm>
+        </p:spPr>
+        <p:txBody>
+          <a:bodyPr/>
+          <a:lstStyle/>
+          <a:p>
+            <a:pPr marL="0" lvl="0" indent="0"/>
+            <a:r>
+              <a:rPr lang="en-US" dirty="0" smtClean="0"/>
+              <a:t>Lighthouse </a:t>
+            </a:r>
+            <a:r>
+              <a:rPr lang="en-US" dirty="0" err="1" smtClean="0"/>
+              <a:t>adalah</a:t>
+            </a:r>
+            <a:r>
+              <a:rPr lang="en-US" dirty="0" smtClean="0"/>
+              <a:t> </a:t>
+            </a:r>
+            <a:r>
+              <a:rPr lang="en-US" dirty="0" err="1" smtClean="0"/>
+              <a:t>alat</a:t>
+            </a:r>
+            <a:r>
+              <a:rPr lang="en-US" dirty="0" smtClean="0"/>
+              <a:t> bantu </a:t>
+            </a:r>
+            <a:r>
+              <a:rPr lang="en-US" dirty="0" err="1" smtClean="0"/>
+              <a:t>sumber</a:t>
+            </a:r>
+            <a:r>
+              <a:rPr lang="en-US" dirty="0" smtClean="0"/>
+              <a:t> </a:t>
+            </a:r>
+            <a:r>
+              <a:rPr lang="en-US" dirty="0" err="1" smtClean="0"/>
+              <a:t>terbuka</a:t>
+            </a:r>
+            <a:r>
+              <a:rPr lang="en-US" dirty="0" smtClean="0"/>
+              <a:t> </a:t>
+            </a:r>
+            <a:r>
+              <a:rPr lang="en-US" dirty="0" err="1" smtClean="0"/>
+              <a:t>otomatis</a:t>
+            </a:r>
+            <a:r>
+              <a:rPr lang="en-US" dirty="0" smtClean="0"/>
+              <a:t> </a:t>
+            </a:r>
+            <a:r>
+              <a:rPr lang="en-US" dirty="0" err="1" smtClean="0"/>
+              <a:t>untuk</a:t>
+            </a:r>
+            <a:r>
+              <a:rPr lang="en-US" dirty="0" smtClean="0"/>
+              <a:t> </a:t>
+            </a:r>
+            <a:r>
+              <a:rPr lang="en-US" dirty="0" err="1" smtClean="0"/>
+              <a:t>meningkatkan</a:t>
+            </a:r>
+            <a:r>
+              <a:rPr lang="en-US" dirty="0" smtClean="0"/>
+              <a:t> </a:t>
+            </a:r>
+            <a:r>
+              <a:rPr lang="en-US" dirty="0" err="1" smtClean="0"/>
+              <a:t>kualitas</a:t>
+            </a:r>
+            <a:r>
+              <a:rPr lang="en-US" dirty="0" smtClean="0"/>
+              <a:t> website</a:t>
+            </a:r>
+            <a:endParaRPr lang="sv-SE" dirty="0"/>
+          </a:p>
+        </p:txBody>
+      </p:sp>
+      <p:pic>
+        <p:nvPicPr>
+          <p:cNvPr id="2" name="Picture 1"/>
+          <p:cNvPicPr>
+            <a:picLocks noChangeAspect="1"/>
+          </p:cNvPicPr>
+          <p:nvPr/>
+        </p:nvPicPr>
+        <p:blipFill>
+          <a:blip r:embed="rId3">
+            <a:extLst>
+              <a:ext uri="{28A0092B-C50C-407E-A947-70E740481C1C}">
+                <a14:useLocalDpi xmlns:a14="http://schemas.microsoft.com/office/drawing/2010/main" val="0"/>
+              </a:ext>
+            </a:extLst>
+          </a:blip>
+          <a:stretch>
+            <a:fillRect/>
+          </a:stretch>
+        </p:blipFill>
+        <p:spPr>
+          <a:xfrm>
+            <a:off x="1799838" y="2635790"/>
+            <a:ext cx="5544324" cy="1762371"/>
+          </a:xfrm>
+          <a:prstGeom prst="round2DiagRect">
+            <a:avLst>
+              <a:gd name="adj1" fmla="val 16667"/>
+              <a:gd name="adj2" fmla="val 0"/>
+            </a:avLst>
+          </a:prstGeom>
+          <a:ln w="88900" cap="sq">
+            <a:solidFill>
+              <a:srgbClr val="FFFFFF"/>
+            </a:solidFill>
+            <a:miter lim="800000"/>
+          </a:ln>
+          <a:effectLst>
+            <a:outerShdw blurRad="254000" algn="tl" rotWithShape="0">
+              <a:srgbClr val="000000">
+                <a:alpha val="43000"/>
+              </a:srgbClr>
+            </a:outerShdw>
+          </a:effectLst>
+        </p:spPr>
+      </p:pic>
+    </p:spTree>
+    <p:extLst>
+      <p:ext uri="{BB962C8B-B14F-4D97-AF65-F5344CB8AC3E}">
+        <p14:creationId xmlns:p14="http://schemas.microsoft.com/office/powerpoint/2010/main" val="2882943407"/>
+      </p:ext>
+    </p:extLst>
+  </p:cSld>
+  <p:clrMapOvr>
+    <a:masterClrMapping/>
+  </p:clrMapOvr>
+  <p:timing>
+    <p:tnLst>
+      <p:par>
+        <p:cTn id="1" dur="indefinite" restart="never" nodeType="tmRoot"/>
+      </p:par>
+    </p:tnLst>
+  </p:timing>
+</p:sld>
+</file>
+
+<file path=ppt/slides/slide18.xml><?xml version="1.0" encoding="utf-8"?>
 <p:sld xmlns:a="http://schemas.openxmlformats.org/drawingml/2006/main" xmlns:r="http://schemas.openxmlformats.org/officeDocument/2006/relationships" xmlns:p="http://schemas.openxmlformats.org/presentationml/2006/main">
   <p:cSld>
     <p:spTree>
@@ -20073,7 +20401,7 @@
 </p:sld>
 </file>
 
-<file path=ppt/slides/slide18.xml><?xml version="1.0" encoding="utf-8"?>
+<file path=ppt/slides/slide19.xml><?xml version="1.0" encoding="utf-8"?>
 <p:sld xmlns:a="http://schemas.openxmlformats.org/drawingml/2006/main" xmlns:r="http://schemas.openxmlformats.org/officeDocument/2006/relationships" xmlns:p="http://schemas.openxmlformats.org/presentationml/2006/main">
   <p:cSld>
     <p:spTree>
@@ -20273,85 +20601,6 @@
 </p:sld>
 </file>
 
-<file path=ppt/slides/slide19.xml><?xml version="1.0" encoding="utf-8"?>
-<p:sld xmlns:a="http://schemas.openxmlformats.org/drawingml/2006/main" xmlns:r="http://schemas.openxmlformats.org/officeDocument/2006/relationships" xmlns:p="http://schemas.openxmlformats.org/presentationml/2006/main">
-  <p:cSld>
-    <p:spTree>
-      <p:nvGrpSpPr>
-        <p:cNvPr id="1" name="Shape 725"/>
-        <p:cNvGrpSpPr/>
-        <p:nvPr/>
-      </p:nvGrpSpPr>
-      <p:grpSpPr>
-        <a:xfrm>
-          <a:off x="0" y="0"/>
-          <a:ext cx="0" cy="0"/>
-          <a:chOff x="0" y="0"/>
-          <a:chExt cx="0" cy="0"/>
-        </a:xfrm>
-      </p:grpSpPr>
-      <p:sp>
-        <p:nvSpPr>
-          <p:cNvPr id="726" name="Google Shape;726;p63"/>
-          <p:cNvSpPr txBox="1">
-            <a:spLocks noGrp="1"/>
-          </p:cNvSpPr>
-          <p:nvPr>
-            <p:ph type="title"/>
-          </p:nvPr>
-        </p:nvSpPr>
-        <p:spPr>
-          <a:xfrm>
-            <a:off x="541323" y="2242294"/>
-            <a:ext cx="7704000" cy="572700"/>
-          </a:xfrm>
-          <a:prstGeom prst="rect">
-            <a:avLst/>
-          </a:prstGeom>
-        </p:spPr>
-        <p:txBody>
-          <a:bodyPr spcFirstLastPara="1" wrap="square" lIns="91425" tIns="91425" rIns="91425" bIns="91425" anchor="t" anchorCtr="0">
-            <a:noAutofit/>
-          </a:bodyPr>
-          <a:lstStyle/>
-          <a:p>
-            <a:pPr marL="0" lvl="0" indent="0" algn="ctr" rtl="0">
-              <a:spcBef>
-                <a:spcPts val="0"/>
-              </a:spcBef>
-              <a:spcAft>
-                <a:spcPts val="0"/>
-              </a:spcAft>
-              <a:buNone/>
-            </a:pPr>
-            <a:r>
-              <a:rPr lang="id-ID" dirty="0" smtClean="0"/>
-              <a:t>Terima Kasih</a:t>
-            </a:r>
-            <a:endParaRPr dirty="0"/>
-          </a:p>
-        </p:txBody>
-      </p:sp>
-    </p:spTree>
-    <p:extLst>
-      <p:ext uri="{BB962C8B-B14F-4D97-AF65-F5344CB8AC3E}">
-        <p14:creationId xmlns:p14="http://schemas.microsoft.com/office/powerpoint/2010/main" val="3531992725"/>
-      </p:ext>
-    </p:extLst>
-  </p:cSld>
-  <p:clrMapOvr>
-    <a:masterClrMapping/>
-  </p:clrMapOvr>
-  <p:timing>
-    <p:tnLst>
-      <p:par>
-        <p:cTn id="1" dur="indefinite" restart="never" nodeType="tmRoot"/>
-      </p:par>
-    </p:tnLst>
-  </p:timing>
-</p:sld>
-</file>
-
 <file path=ppt/slides/slide2.xml><?xml version="1.0" encoding="utf-8"?>
 <p:sld xmlns:a="http://schemas.openxmlformats.org/drawingml/2006/main" xmlns:r="http://schemas.openxmlformats.org/officeDocument/2006/relationships" xmlns:p="http://schemas.openxmlformats.org/presentationml/2006/main">
   <p:cSld>
@@ -20580,6 +20829,85 @@
         </p:spPr>
       </p:pic>
     </p:spTree>
+  </p:cSld>
+  <p:clrMapOvr>
+    <a:masterClrMapping/>
+  </p:clrMapOvr>
+  <p:timing>
+    <p:tnLst>
+      <p:par>
+        <p:cTn id="1" dur="indefinite" restart="never" nodeType="tmRoot"/>
+      </p:par>
+    </p:tnLst>
+  </p:timing>
+</p:sld>
+</file>
+
+<file path=ppt/slides/slide20.xml><?xml version="1.0" encoding="utf-8"?>
+<p:sld xmlns:a="http://schemas.openxmlformats.org/drawingml/2006/main" xmlns:r="http://schemas.openxmlformats.org/officeDocument/2006/relationships" xmlns:p="http://schemas.openxmlformats.org/presentationml/2006/main">
+  <p:cSld>
+    <p:spTree>
+      <p:nvGrpSpPr>
+        <p:cNvPr id="1" name="Shape 725"/>
+        <p:cNvGrpSpPr/>
+        <p:nvPr/>
+      </p:nvGrpSpPr>
+      <p:grpSpPr>
+        <a:xfrm>
+          <a:off x="0" y="0"/>
+          <a:ext cx="0" cy="0"/>
+          <a:chOff x="0" y="0"/>
+          <a:chExt cx="0" cy="0"/>
+        </a:xfrm>
+      </p:grpSpPr>
+      <p:sp>
+        <p:nvSpPr>
+          <p:cNvPr id="726" name="Google Shape;726;p63"/>
+          <p:cNvSpPr txBox="1">
+            <a:spLocks noGrp="1"/>
+          </p:cNvSpPr>
+          <p:nvPr>
+            <p:ph type="title"/>
+          </p:nvPr>
+        </p:nvSpPr>
+        <p:spPr>
+          <a:xfrm>
+            <a:off x="541323" y="2242294"/>
+            <a:ext cx="7704000" cy="572700"/>
+          </a:xfrm>
+          <a:prstGeom prst="rect">
+            <a:avLst/>
+          </a:prstGeom>
+        </p:spPr>
+        <p:txBody>
+          <a:bodyPr spcFirstLastPara="1" wrap="square" lIns="91425" tIns="91425" rIns="91425" bIns="91425" anchor="t" anchorCtr="0">
+            <a:noAutofit/>
+          </a:bodyPr>
+          <a:lstStyle/>
+          <a:p>
+            <a:pPr marL="0" lvl="0" indent="0" algn="ctr" rtl="0">
+              <a:spcBef>
+                <a:spcPts val="0"/>
+              </a:spcBef>
+              <a:spcAft>
+                <a:spcPts val="0"/>
+              </a:spcAft>
+              <a:buNone/>
+            </a:pPr>
+            <a:r>
+              <a:rPr lang="id-ID" dirty="0" smtClean="0"/>
+              <a:t>Terima Kasih</a:t>
+            </a:r>
+            <a:endParaRPr dirty="0"/>
+          </a:p>
+        </p:txBody>
+      </p:sp>
+    </p:spTree>
+    <p:extLst>
+      <p:ext uri="{BB962C8B-B14F-4D97-AF65-F5344CB8AC3E}">
+        <p14:creationId xmlns:p14="http://schemas.microsoft.com/office/powerpoint/2010/main" val="3531992725"/>
+      </p:ext>
+    </p:extLst>
   </p:cSld>
   <p:clrMapOvr>
     <a:masterClrMapping/>
@@ -21423,7 +21751,11 @@
             </a:r>
             <a:r>
               <a:rPr lang="id-ID" dirty="0" smtClean="0"/>
-              <a:t>spesialist, yang </a:t>
+              <a:t>spesialis, </a:t>
+            </a:r>
+            <a:r>
+              <a:rPr lang="id-ID" dirty="0" smtClean="0"/>
+              <a:t>yang </a:t>
             </a:r>
             <a:r>
               <a:rPr lang="id-ID" dirty="0"/>
@@ -21618,7 +21950,15 @@
                   <a:schemeClr val="dk1"/>
                 </a:solidFill>
               </a:rPr>
-              <a:t> Dokter Spesialist untuk mendapatkan saran dalam pembelian kebutuhan </a:t>
+              <a:t> Dokter Spesialist untuk mendapatkan saran dalam pembelian kebutuhan obat-obatan berkualitas untuk kesehatan yang seakan hal ini  menjadi gap (jarak) antara permintaan </a:t>
+            </a:r>
+            <a:r>
+              <a:rPr lang="en-US" dirty="0" smtClean="0">
+                <a:solidFill>
+                  <a:schemeClr val="dk1"/>
+                </a:solidFill>
+              </a:rPr>
+              <a:t>M</a:t>
             </a:r>
             <a:r>
               <a:rPr lang="id-ID" dirty="0" smtClean="0">
@@ -21626,7 +21966,7 @@
                   <a:schemeClr val="dk1"/>
                 </a:solidFill>
               </a:rPr>
-              <a:t>obat-obatan berkualitas </a:t>
+              <a:t>asyarakat </a:t>
             </a:r>
             <a:r>
               <a:rPr lang="id-ID" dirty="0" smtClean="0">
@@ -21634,7 +21974,59 @@
                   <a:schemeClr val="dk1"/>
                 </a:solidFill>
               </a:rPr>
-              <a:t>untuk kesehatan yang seakan hal ini  menjadi gap (jarak) antara permintaan masyarakat umum terhadap industri rumah sakit, maka saya selaku Siswa dari Bootcamp Code.id membuat Sistem Informasi yang bertujuan untuk mengisi gap (jarak) tersebut dengan menciptakan aplikasi Codigram.</a:t>
+              <a:t>umum terhadap </a:t>
+            </a:r>
+            <a:r>
+              <a:rPr lang="en-US" dirty="0"/>
+              <a:t>I</a:t>
+            </a:r>
+            <a:r>
+              <a:rPr lang="id-ID" dirty="0" smtClean="0">
+                <a:solidFill>
+                  <a:schemeClr val="dk1"/>
+                </a:solidFill>
+              </a:rPr>
+              <a:t>ndustri </a:t>
+            </a:r>
+            <a:r>
+              <a:rPr lang="en-US" dirty="0"/>
+              <a:t>R</a:t>
+            </a:r>
+            <a:r>
+              <a:rPr lang="id-ID" dirty="0" smtClean="0">
+                <a:solidFill>
+                  <a:schemeClr val="dk1"/>
+                </a:solidFill>
+              </a:rPr>
+              <a:t>umah </a:t>
+            </a:r>
+            <a:r>
+              <a:rPr lang="en-US" dirty="0" smtClean="0"/>
+              <a:t>S</a:t>
+            </a:r>
+            <a:r>
+              <a:rPr lang="id-ID" dirty="0" smtClean="0">
+                <a:solidFill>
+                  <a:schemeClr val="dk1"/>
+                </a:solidFill>
+              </a:rPr>
+              <a:t>akit</a:t>
+            </a:r>
+            <a:r>
+              <a:rPr lang="id-ID" dirty="0" smtClean="0">
+                <a:solidFill>
+                  <a:schemeClr val="dk1"/>
+                </a:solidFill>
+              </a:rPr>
+              <a:t>, maka saya selaku Siswa dari Bootcamp Code.id membuat Sistem Informasi yang bertujuan untuk mengisi gap (jarak) tersebut dengan menciptakan aplikasi Codigram</a:t>
+            </a:r>
+            <a:r>
+              <a:rPr lang="id-ID" dirty="0" smtClean="0">
+                <a:solidFill>
+                  <a:schemeClr val="dk1"/>
+                </a:solidFill>
+              </a:rPr>
+              <a:t>.</a:t>
             </a:r>
             <a:endParaRPr dirty="0" smtClean="0">
               <a:solidFill>
@@ -22225,15 +22617,7 @@
             </a:r>
             <a:r>
               <a:rPr lang="id-ID" dirty="0" smtClean="0"/>
-              <a:t>istem basis data </a:t>
-            </a:r>
-            <a:r>
-              <a:rPr lang="id-ID" dirty="0" smtClean="0"/>
-              <a:t>yang </a:t>
-            </a:r>
-            <a:r>
-              <a:rPr lang="id-ID" dirty="0" smtClean="0"/>
-              <a:t>secara open-source</a:t>
+              <a:t>istem basis data yang secara open-source</a:t>
             </a:r>
             <a:endParaRPr dirty="0"/>
           </a:p>

--- a/PPT Codigram.pptx
+++ b/PPT Codigram.pptx
@@ -16697,8 +16697,8 @@
               <a:buNone/>
             </a:pPr>
             <a:r>
-              <a:rPr lang="id-ID" dirty="0" smtClean="0"/>
-              <a:t>Server Side</a:t>
+              <a:rPr lang="en-US" dirty="0" smtClean="0"/>
+              <a:t>Back-End Tech</a:t>
             </a:r>
             <a:endParaRPr dirty="0"/>
           </a:p>
@@ -17805,8 +17805,8 @@
               <a:buNone/>
             </a:pPr>
             <a:r>
-              <a:rPr lang="id-ID" dirty="0" smtClean="0"/>
-              <a:t>Client Side</a:t>
+              <a:rPr lang="en-US" dirty="0" smtClean="0"/>
+              <a:t>Front-End Tech</a:t>
             </a:r>
             <a:endParaRPr dirty="0"/>
           </a:p>
@@ -19013,18 +19013,6 @@
               </a:spcAft>
               <a:buNone/>
             </a:pPr>
-            <a:r>
-              <a:rPr lang="en" sz="1600">
-                <a:solidFill>
-                  <a:schemeClr val="dk1"/>
-                </a:solidFill>
-                <a:latin typeface="Krona One"/>
-                <a:ea typeface="Krona One"/>
-                <a:cs typeface="Krona One"/>
-                <a:sym typeface="Krona One"/>
-              </a:rPr>
-              <a:t>3</a:t>
-            </a:r>
             <a:endParaRPr dirty="0"/>
           </a:p>
         </p:txBody>
@@ -19277,18 +19265,6 @@
               </a:spcAft>
               <a:buNone/>
             </a:pPr>
-            <a:r>
-              <a:rPr lang="en" sz="1600">
-                <a:solidFill>
-                  <a:schemeClr val="dk1"/>
-                </a:solidFill>
-                <a:latin typeface="Krona One"/>
-                <a:ea typeface="Krona One"/>
-                <a:cs typeface="Krona One"/>
-                <a:sym typeface="Krona One"/>
-              </a:rPr>
-              <a:t>4</a:t>
-            </a:r>
             <a:endParaRPr dirty="0"/>
           </a:p>
         </p:txBody>
@@ -21751,11 +21727,7 @@
             </a:r>
             <a:r>
               <a:rPr lang="id-ID" dirty="0" smtClean="0"/>
-              <a:t>spesialis, </a:t>
-            </a:r>
-            <a:r>
-              <a:rPr lang="id-ID" dirty="0" smtClean="0"/>
-              <a:t>yang </a:t>
+              <a:t>spesialis, yang </a:t>
             </a:r>
             <a:r>
               <a:rPr lang="id-ID" dirty="0"/>
@@ -21966,15 +21938,7 @@
                   <a:schemeClr val="dk1"/>
                 </a:solidFill>
               </a:rPr>
-              <a:t>asyarakat </a:t>
-            </a:r>
-            <a:r>
-              <a:rPr lang="id-ID" dirty="0" smtClean="0">
-                <a:solidFill>
-                  <a:schemeClr val="dk1"/>
-                </a:solidFill>
-              </a:rPr>
-              <a:t>umum terhadap </a:t>
+              <a:t>asyarakat umum terhadap </a:t>
             </a:r>
             <a:r>
               <a:rPr lang="en-US" dirty="0"/>
@@ -22010,23 +21974,7 @@
                   <a:schemeClr val="dk1"/>
                 </a:solidFill>
               </a:rPr>
-              <a:t>akit</a:t>
-            </a:r>
-            <a:r>
-              <a:rPr lang="id-ID" dirty="0" smtClean="0">
-                <a:solidFill>
-                  <a:schemeClr val="dk1"/>
-                </a:solidFill>
-              </a:rPr>
-              <a:t>, maka saya selaku Siswa dari Bootcamp Code.id membuat Sistem Informasi yang bertujuan untuk mengisi gap (jarak) tersebut dengan menciptakan aplikasi Codigram</a:t>
-            </a:r>
-            <a:r>
-              <a:rPr lang="id-ID" dirty="0" smtClean="0">
-                <a:solidFill>
-                  <a:schemeClr val="dk1"/>
-                </a:solidFill>
-              </a:rPr>
-              <a:t>.</a:t>
+              <a:t>akit, maka saya selaku Siswa dari Bootcamp Code.id membuat Sistem Informasi yang bertujuan untuk mengisi gap (jarak) tersebut dengan menciptakan aplikasi Codigram.</a:t>
             </a:r>
             <a:endParaRPr dirty="0" smtClean="0">
               <a:solidFill>
